--- a/public/ver_2a/Stimuli/Feature_Task_Instructions.pptx
+++ b/public/ver_2a/Stimuli/Feature_Task_Instructions.pptx
@@ -200,7 +200,7 @@
           <a:p>
             <a:fld id="{3192A44D-4A7C-7F48-9549-99DB465B055C}" type="datetimeFigureOut">
               <a:rPr lang="en-US" smtClean="0"/>
-              <a:t>7/6/20</a:t>
+              <a:t>9/4/20</a:t>
             </a:fld>
             <a:endParaRPr lang="en-US"/>
           </a:p>
@@ -733,7 +733,7 @@
           <a:p>
             <a:fld id="{BB31085E-388F-BE40-B147-0BFB91CD71E7}" type="datetimeFigureOut">
               <a:rPr lang="en-US" smtClean="0"/>
-              <a:t>7/6/20</a:t>
+              <a:t>9/4/20</a:t>
             </a:fld>
             <a:endParaRPr lang="en-US"/>
           </a:p>
@@ -903,7 +903,7 @@
           <a:p>
             <a:fld id="{BB31085E-388F-BE40-B147-0BFB91CD71E7}" type="datetimeFigureOut">
               <a:rPr lang="en-US" smtClean="0"/>
-              <a:t>7/6/20</a:t>
+              <a:t>9/4/20</a:t>
             </a:fld>
             <a:endParaRPr lang="en-US"/>
           </a:p>
@@ -1083,7 +1083,7 @@
           <a:p>
             <a:fld id="{BB31085E-388F-BE40-B147-0BFB91CD71E7}" type="datetimeFigureOut">
               <a:rPr lang="en-US" smtClean="0"/>
-              <a:t>7/6/20</a:t>
+              <a:t>9/4/20</a:t>
             </a:fld>
             <a:endParaRPr lang="en-US"/>
           </a:p>
@@ -1253,7 +1253,7 @@
           <a:p>
             <a:fld id="{BB31085E-388F-BE40-B147-0BFB91CD71E7}" type="datetimeFigureOut">
               <a:rPr lang="en-US" smtClean="0"/>
-              <a:t>7/6/20</a:t>
+              <a:t>9/4/20</a:t>
             </a:fld>
             <a:endParaRPr lang="en-US"/>
           </a:p>
@@ -1499,7 +1499,7 @@
           <a:p>
             <a:fld id="{BB31085E-388F-BE40-B147-0BFB91CD71E7}" type="datetimeFigureOut">
               <a:rPr lang="en-US" smtClean="0"/>
-              <a:t>7/6/20</a:t>
+              <a:t>9/4/20</a:t>
             </a:fld>
             <a:endParaRPr lang="en-US"/>
           </a:p>
@@ -1787,7 +1787,7 @@
           <a:p>
             <a:fld id="{BB31085E-388F-BE40-B147-0BFB91CD71E7}" type="datetimeFigureOut">
               <a:rPr lang="en-US" smtClean="0"/>
-              <a:t>7/6/20</a:t>
+              <a:t>9/4/20</a:t>
             </a:fld>
             <a:endParaRPr lang="en-US"/>
           </a:p>
@@ -2209,7 +2209,7 @@
           <a:p>
             <a:fld id="{BB31085E-388F-BE40-B147-0BFB91CD71E7}" type="datetimeFigureOut">
               <a:rPr lang="en-US" smtClean="0"/>
-              <a:t>7/6/20</a:t>
+              <a:t>9/4/20</a:t>
             </a:fld>
             <a:endParaRPr lang="en-US"/>
           </a:p>
@@ -2327,7 +2327,7 @@
           <a:p>
             <a:fld id="{BB31085E-388F-BE40-B147-0BFB91CD71E7}" type="datetimeFigureOut">
               <a:rPr lang="en-US" smtClean="0"/>
-              <a:t>7/6/20</a:t>
+              <a:t>9/4/20</a:t>
             </a:fld>
             <a:endParaRPr lang="en-US"/>
           </a:p>
@@ -2422,7 +2422,7 @@
           <a:p>
             <a:fld id="{BB31085E-388F-BE40-B147-0BFB91CD71E7}" type="datetimeFigureOut">
               <a:rPr lang="en-US" smtClean="0"/>
-              <a:t>7/6/20</a:t>
+              <a:t>9/4/20</a:t>
             </a:fld>
             <a:endParaRPr lang="en-US"/>
           </a:p>
@@ -2699,7 +2699,7 @@
           <a:p>
             <a:fld id="{BB31085E-388F-BE40-B147-0BFB91CD71E7}" type="datetimeFigureOut">
               <a:rPr lang="en-US" smtClean="0"/>
-              <a:t>7/6/20</a:t>
+              <a:t>9/4/20</a:t>
             </a:fld>
             <a:endParaRPr lang="en-US"/>
           </a:p>
@@ -2952,7 +2952,7 @@
           <a:p>
             <a:fld id="{BB31085E-388F-BE40-B147-0BFB91CD71E7}" type="datetimeFigureOut">
               <a:rPr lang="en-US" smtClean="0"/>
-              <a:t>7/6/20</a:t>
+              <a:t>9/4/20</a:t>
             </a:fld>
             <a:endParaRPr lang="en-US"/>
           </a:p>
@@ -3165,7 +3165,7 @@
           <a:p>
             <a:fld id="{BB31085E-388F-BE40-B147-0BFB91CD71E7}" type="datetimeFigureOut">
               <a:rPr lang="en-US" smtClean="0"/>
-              <a:t>7/6/20</a:t>
+              <a:t>9/4/20</a:t>
             </a:fld>
             <a:endParaRPr lang="en-US"/>
           </a:p>
@@ -3557,8 +3557,9 @@
           <a:p>
             <a:r>
               <a:rPr lang="en-US" dirty="0" smtClean="0"/>
-              <a:t>Welcome to the experiment. </a:t>
-            </a:r>
+              <a:t>We’ll now start the main task.</a:t>
+            </a:r>
+            <a:endParaRPr lang="en-US" dirty="0" smtClean="0"/>
           </a:p>
           <a:p>
             <a:r>
@@ -5048,16 +5049,11 @@
               <a:rPr lang="en-US" sz="2000" dirty="0" smtClean="0"/>
               <a:t>.</a:t>
             </a:r>
-            <a:endParaRPr lang="en-US" sz="2000" dirty="0" smtClean="0"/>
           </a:p>
           <a:p>
             <a:r>
               <a:rPr lang="en-US" sz="2000" dirty="0" smtClean="0"/>
-              <a:t>W</a:t>
-            </a:r>
-            <a:r>
-              <a:rPr lang="en-US" sz="2000" dirty="0" smtClean="0"/>
-              <a:t>hether a given alien provides minerals, takes away minerals, or does nothing, might change between decisions.</a:t>
+              <a:t>Whether a given alien provides minerals, takes away minerals, or does nothing, might change between decisions.</a:t>
             </a:r>
           </a:p>
           <a:p>
@@ -5222,13 +5218,8 @@
           <a:p>
             <a:r>
               <a:rPr lang="en-US" sz="2400" dirty="0" smtClean="0"/>
-              <a:t> </a:t>
-            </a:r>
-            <a:r>
-              <a:rPr lang="en-US" sz="2400" dirty="0" smtClean="0"/>
-              <a:t>3</a:t>
-            </a:r>
-            <a:endParaRPr lang="en-US" sz="2400" dirty="0" smtClean="0"/>
+              <a:t> 3</a:t>
+            </a:r>
           </a:p>
           <a:p>
             <a:r>
@@ -5280,15 +5271,7 @@
           <a:p>
             <a:r>
               <a:rPr lang="en-US" sz="1600" dirty="0" smtClean="0"/>
-              <a:t>On this example decision (between the 3 doors), encountering the black alien would provide </a:t>
-            </a:r>
-            <a:r>
-              <a:rPr lang="en-US" sz="1600" dirty="0" smtClean="0"/>
-              <a:t>3 minerals</a:t>
-            </a:r>
-            <a:r>
-              <a:rPr lang="en-US" sz="1600" dirty="0" smtClean="0"/>
-              <a:t>, encountering  the silver alien would provide no minerals, and encountering  gold alien would take away 3 minerals.</a:t>
+              <a:t>On this example decision (between the 3 doors), encountering the black alien would provide 3 minerals, encountering  the silver alien would provide no minerals, and encountering  gold alien would take away 3 minerals.</a:t>
             </a:r>
             <a:endParaRPr lang="en-US" sz="1600" dirty="0"/>
           </a:p>
@@ -5771,27 +5754,7 @@
           <a:p>
             <a:r>
               <a:rPr lang="en-US" sz="1600" dirty="0" smtClean="0"/>
-              <a:t>On this example decision, the right door was activated. The black and gold aliens were encountered. The black alien provided </a:t>
-            </a:r>
-            <a:r>
-              <a:rPr lang="en-US" sz="1600" dirty="0" smtClean="0"/>
-              <a:t>3 minerals </a:t>
-            </a:r>
-            <a:r>
-              <a:rPr lang="en-US" sz="1600" dirty="0" smtClean="0"/>
-              <a:t>and the gold alien took away 3 minerals. In total, </a:t>
-            </a:r>
-            <a:r>
-              <a:rPr lang="en-US" sz="1600" dirty="0" smtClean="0"/>
-              <a:t>no </a:t>
-            </a:r>
-            <a:r>
-              <a:rPr lang="en-US" sz="1600" dirty="0" smtClean="0"/>
-              <a:t>minerals </a:t>
-            </a:r>
-            <a:r>
-              <a:rPr lang="en-US" sz="1600" dirty="0" smtClean="0"/>
-              <a:t>were collected (bottom right).</a:t>
+              <a:t>On this example decision, the right door was activated. The black and gold aliens were encountered. The black alien provided 3 minerals and the gold alien took away 3 minerals. In total, no minerals were collected (bottom right).</a:t>
             </a:r>
             <a:endParaRPr lang="en-US" sz="1600" dirty="0"/>
           </a:p>
@@ -6500,7 +6463,6 @@
               <a:rPr lang="en-US" dirty="0" smtClean="0"/>
               <a:t> minerals.</a:t>
             </a:r>
-            <a:endParaRPr lang="en-US" dirty="0" smtClean="0"/>
           </a:p>
           <a:p>
             <a:r>
